--- a/document/分层设计.pptx
+++ b/document/分层设计.pptx
@@ -198,7 +198,7 @@
           <a:p>
             <a:fld id="{EF7A9DFC-4A15-43F3-A832-BCEB855FF60E}" type="datetimeFigureOut">
               <a:rPr lang="zh-CN" altLang="en-US" smtClean="0"/>
-              <a:t>2016/4/12</a:t>
+              <a:t>2016/4/18</a:t>
             </a:fld>
             <a:endParaRPr lang="zh-CN" altLang="en-US"/>
           </a:p>
@@ -678,11 +678,7 @@
           <a:p>
             <a:r>
               <a:rPr lang="zh-CN" altLang="en-US" dirty="0" smtClean="0"/>
-              <a:t>展现层负责在不同终端上的</a:t>
-            </a:r>
-            <a:r>
-              <a:rPr lang="zh-CN" altLang="en-US" dirty="0" smtClean="0"/>
-              <a:t>展现，使用</a:t>
+              <a:t>展现层负责在不同终端上的展现，使用</a:t>
             </a:r>
             <a:r>
               <a:rPr lang="en-US" altLang="zh-CN" dirty="0" err="1" smtClean="0"/>
@@ -786,15 +782,7 @@
             </a:pPr>
             <a:r>
               <a:rPr lang="zh-CN" altLang="en-US" dirty="0" smtClean="0"/>
-              <a:t>对外</a:t>
-            </a:r>
-            <a:r>
-              <a:rPr lang="zh-CN" altLang="en-US" dirty="0" smtClean="0"/>
-              <a:t>服务封装是对原子服务的封装，在没有对外服务编排的情况下的一种替代</a:t>
-            </a:r>
-            <a:r>
-              <a:rPr lang="zh-CN" altLang="en-US" dirty="0" smtClean="0"/>
-              <a:t>实现，使用</a:t>
+              <a:t>对外服务封装是对原子服务的封装，在没有对外服务编排的情况下的一种替代实现，使用</a:t>
             </a:r>
             <a:r>
               <a:rPr lang="en-US" altLang="zh-CN" dirty="0" smtClean="0"/>
@@ -842,15 +830,7 @@
             </a:pPr>
             <a:r>
               <a:rPr lang="zh-CN" altLang="en-US" dirty="0" smtClean="0"/>
-              <a:t>业务</a:t>
-            </a:r>
-            <a:r>
-              <a:rPr lang="zh-CN" altLang="en-US" dirty="0" smtClean="0"/>
-              <a:t>原子服务实现业务的基础服务（目前业务简单，不设业务逻辑层，所有业务逻辑都在此层</a:t>
-            </a:r>
-            <a:r>
-              <a:rPr lang="zh-CN" altLang="en-US" dirty="0" smtClean="0"/>
-              <a:t>完成，</a:t>
+              <a:t>业务原子服务实现业务的基础服务（目前业务简单，不设业务逻辑层，所有业务逻辑都在此层完成，</a:t>
             </a:r>
             <a:r>
               <a:rPr lang="zh-CN" altLang="en-US" dirty="0" smtClean="0">
@@ -976,6 +956,12 @@
             <a:r>
               <a:rPr lang="en-US" altLang="zh-CN" dirty="0" smtClean="0"/>
               <a:t> pool</a:t>
+            </a:r>
+          </a:p>
+          <a:p>
+            <a:r>
+              <a:rPr lang="zh-CN" altLang="en-US" dirty="0" smtClean="0"/>
+              <a:t>由于监控在部署时实现，暂时未考虑设计和编码阶段的任务</a:t>
             </a:r>
             <a:endParaRPr lang="en-US" altLang="zh-CN" dirty="0" smtClean="0"/>
           </a:p>
@@ -1148,7 +1134,7 @@
           <a:p>
             <a:fld id="{EDF12545-F50B-4753-A95D-5D9E2A7E3329}" type="datetimeFigureOut">
               <a:rPr lang="zh-CN" altLang="en-US" smtClean="0"/>
-              <a:t>2016/4/12</a:t>
+              <a:t>2016/4/18</a:t>
             </a:fld>
             <a:endParaRPr lang="zh-CN" altLang="en-US"/>
           </a:p>
@@ -1318,7 +1304,7 @@
           <a:p>
             <a:fld id="{EDF12545-F50B-4753-A95D-5D9E2A7E3329}" type="datetimeFigureOut">
               <a:rPr lang="zh-CN" altLang="en-US" smtClean="0"/>
-              <a:t>2016/4/12</a:t>
+              <a:t>2016/4/18</a:t>
             </a:fld>
             <a:endParaRPr lang="zh-CN" altLang="en-US"/>
           </a:p>
@@ -1498,7 +1484,7 @@
           <a:p>
             <a:fld id="{EDF12545-F50B-4753-A95D-5D9E2A7E3329}" type="datetimeFigureOut">
               <a:rPr lang="zh-CN" altLang="en-US" smtClean="0"/>
-              <a:t>2016/4/12</a:t>
+              <a:t>2016/4/18</a:t>
             </a:fld>
             <a:endParaRPr lang="zh-CN" altLang="en-US"/>
           </a:p>
@@ -1668,7 +1654,7 @@
           <a:p>
             <a:fld id="{EDF12545-F50B-4753-A95D-5D9E2A7E3329}" type="datetimeFigureOut">
               <a:rPr lang="zh-CN" altLang="en-US" smtClean="0"/>
-              <a:t>2016/4/12</a:t>
+              <a:t>2016/4/18</a:t>
             </a:fld>
             <a:endParaRPr lang="zh-CN" altLang="en-US"/>
           </a:p>
@@ -1914,7 +1900,7 @@
           <a:p>
             <a:fld id="{EDF12545-F50B-4753-A95D-5D9E2A7E3329}" type="datetimeFigureOut">
               <a:rPr lang="zh-CN" altLang="en-US" smtClean="0"/>
-              <a:t>2016/4/12</a:t>
+              <a:t>2016/4/18</a:t>
             </a:fld>
             <a:endParaRPr lang="zh-CN" altLang="en-US"/>
           </a:p>
@@ -2146,7 +2132,7 @@
           <a:p>
             <a:fld id="{EDF12545-F50B-4753-A95D-5D9E2A7E3329}" type="datetimeFigureOut">
               <a:rPr lang="zh-CN" altLang="en-US" smtClean="0"/>
-              <a:t>2016/4/12</a:t>
+              <a:t>2016/4/18</a:t>
             </a:fld>
             <a:endParaRPr lang="zh-CN" altLang="en-US"/>
           </a:p>
@@ -2513,7 +2499,7 @@
           <a:p>
             <a:fld id="{EDF12545-F50B-4753-A95D-5D9E2A7E3329}" type="datetimeFigureOut">
               <a:rPr lang="zh-CN" altLang="en-US" smtClean="0"/>
-              <a:t>2016/4/12</a:t>
+              <a:t>2016/4/18</a:t>
             </a:fld>
             <a:endParaRPr lang="zh-CN" altLang="en-US"/>
           </a:p>
@@ -2631,7 +2617,7 @@
           <a:p>
             <a:fld id="{EDF12545-F50B-4753-A95D-5D9E2A7E3329}" type="datetimeFigureOut">
               <a:rPr lang="zh-CN" altLang="en-US" smtClean="0"/>
-              <a:t>2016/4/12</a:t>
+              <a:t>2016/4/18</a:t>
             </a:fld>
             <a:endParaRPr lang="zh-CN" altLang="en-US"/>
           </a:p>
@@ -2726,7 +2712,7 @@
           <a:p>
             <a:fld id="{EDF12545-F50B-4753-A95D-5D9E2A7E3329}" type="datetimeFigureOut">
               <a:rPr lang="zh-CN" altLang="en-US" smtClean="0"/>
-              <a:t>2016/4/12</a:t>
+              <a:t>2016/4/18</a:t>
             </a:fld>
             <a:endParaRPr lang="zh-CN" altLang="en-US"/>
           </a:p>
@@ -3003,7 +2989,7 @@
           <a:p>
             <a:fld id="{EDF12545-F50B-4753-A95D-5D9E2A7E3329}" type="datetimeFigureOut">
               <a:rPr lang="zh-CN" altLang="en-US" smtClean="0"/>
-              <a:t>2016/4/12</a:t>
+              <a:t>2016/4/18</a:t>
             </a:fld>
             <a:endParaRPr lang="zh-CN" altLang="en-US"/>
           </a:p>
@@ -3256,7 +3242,7 @@
           <a:p>
             <a:fld id="{EDF12545-F50B-4753-A95D-5D9E2A7E3329}" type="datetimeFigureOut">
               <a:rPr lang="zh-CN" altLang="en-US" smtClean="0"/>
-              <a:t>2016/4/12</a:t>
+              <a:t>2016/4/18</a:t>
             </a:fld>
             <a:endParaRPr lang="zh-CN" altLang="en-US"/>
           </a:p>
@@ -3469,7 +3455,7 @@
           <a:p>
             <a:fld id="{EDF12545-F50B-4753-A95D-5D9E2A7E3329}" type="datetimeFigureOut">
               <a:rPr lang="zh-CN" altLang="en-US" smtClean="0"/>
-              <a:t>2016/4/12</a:t>
+              <a:t>2016/4/18</a:t>
             </a:fld>
             <a:endParaRPr lang="zh-CN" altLang="en-US"/>
           </a:p>
@@ -6974,7 +6960,7 @@
                   <a:schemeClr val="tx1"/>
                 </a:solidFill>
               </a:rPr>
-              <a:t>CommonsPool+HttpClient</a:t>
+              <a:t>CommonsPool+java.net.Socket</a:t>
             </a:r>
             <a:r>
               <a:rPr lang="en-US" altLang="zh-CN" dirty="0" smtClean="0">
